--- a/20211021_파이썬 기초.pptx
+++ b/20211021_파이썬 기초.pptx
@@ -4122,8 +4122,8 @@
         </p:nvSpPr>
         <p:spPr>
           <a:xfrm>
-            <a:off x="42046" y="5301208"/>
-            <a:ext cx="8994450" cy="923330"/>
+            <a:off x="255373" y="5301208"/>
+            <a:ext cx="8709115" cy="923330"/>
           </a:xfrm>
           <a:prstGeom prst="rect">
             <a:avLst/>
@@ -4136,29 +4136,38 @@
           </a:bodyPr>
           <a:lstStyle/>
           <a:p>
-            <a:pPr marL="285750" indent="-285750">
-              <a:buFont typeface="Arial" panose="020B0604020202020204" pitchFamily="34" charset="0"/>
-              <a:buChar char="•"/>
-            </a:pPr>
             <a:r>
               <a:rPr lang="en-US" altLang="ko-KR" smtClean="0"/>
               <a:t>※ </a:t>
             </a:r>
             <a:r>
               <a:rPr lang="ko-KR" altLang="en-US" smtClean="0"/>
-              <a:t>최신버전 설치</a:t>
-            </a:r>
-            <a:endParaRPr lang="en-US" altLang="ko-KR" smtClean="0">
+              <a:t>최신버전 </a:t>
+            </a:r>
+            <a:r>
+              <a:rPr lang="ko-KR" altLang="en-US" smtClean="0"/>
+              <a:t>설치</a:t>
+            </a:r>
+            <a:endParaRPr lang="en-US" altLang="ko-KR">
               <a:sym typeface="Wingdings" panose="05000000000000000000" pitchFamily="2" charset="2"/>
             </a:endParaRPr>
           </a:p>
           <a:p>
-            <a:pPr lvl="1"/>
+            <a:pPr marL="285750" indent="-285750">
+              <a:buFontTx/>
+              <a:buChar char="-"/>
+            </a:pPr>
             <a:r>
               <a:rPr lang="en-US" altLang="ko-KR" smtClean="0">
                 <a:sym typeface="Wingdings" panose="05000000000000000000" pitchFamily="2" charset="2"/>
               </a:rPr>
-              <a:t>- anaconda.com  </a:t>
+              <a:t>anaconda.com </a:t>
+            </a:r>
+            <a:r>
+              <a:rPr lang="en-US" altLang="ko-KR" smtClean="0">
+                <a:sym typeface="Wingdings" panose="05000000000000000000" pitchFamily="2" charset="2"/>
+              </a:rPr>
+              <a:t> </a:t>
             </a:r>
             <a:r>
               <a:rPr lang="ko-KR" altLang="en-US" smtClean="0">
@@ -4178,13 +4187,18 @@
               </a:rPr>
               <a:t>버튼</a:t>
             </a:r>
-            <a:endParaRPr lang="en-US" altLang="ko-KR" smtClean="0"/>
-          </a:p>
-          <a:p>
-            <a:pPr lvl="1"/>
+            <a:endParaRPr lang="en-US" altLang="ko-KR">
+              <a:sym typeface="Wingdings" panose="05000000000000000000" pitchFamily="2" charset="2"/>
+            </a:endParaRPr>
+          </a:p>
+          <a:p>
+            <a:pPr marL="285750" indent="-285750">
+              <a:buFontTx/>
+              <a:buChar char="-"/>
+            </a:pPr>
             <a:r>
               <a:rPr lang="en-US" altLang="ko-KR" smtClean="0"/>
-              <a:t>- https</a:t>
+              <a:t>https</a:t>
             </a:r>
             <a:r>
               <a:rPr lang="en-US" altLang="ko-KR"/>
@@ -7949,7 +7963,7 @@
             <a:picLocks noChangeAspect="1"/>
             <a:extLst>
               <a:ext uri="smNativeData">
-                <pr:smNativeData xmlns="" xmlns:p14="http://schemas.microsoft.com/office/powerpoint/2010/main" xmlns:pr="smNativeData" val="SMDATA_15_1RBXYBMAAAAlAAAAEQAAAC0AAAAAkAAAAEgAAACQAAAASAAAAAAAAAAAAAAAAAAAAAEAAABQAAAAAAAAAAAA4D8AAAAAAADgPwAAAAAAAOA/AAAAAAAA4D8AAAAAAADgPwAAAAAAAOA/AAAAAAAA4D8AAAAAAADgPwAAAAAAAOA/AAAAAAAA4D8CAAAAjAAAAAAAAAAAAAAAT4G9DP///wgAAAAAAAAAAAAAAAAAAAAAAAAAAAAAAAAAAAAAZAAAAAEAAABAAAAAAAAAAAAAAAAAAAAAAAAAAAAAAAAAAAAAAAAAAAAAAAAAAAAAAAAAAAAAAAAAAAAAAAAAAAAAAAAAAAAAAAAAAAAAAAAAAAAAAAAAAAAAAAAAAAAAFAAAADwAAAAAAAAAAAAAAAAAAAkUAAAAAQAAABQAAAAUAAAAFAAAAAEAAAAAAAAAZAAAAGQAAAAAAAAAZAAAAGQAAAAVAAAAYAAAAAAAAAAAAAAADwAAACADAAAAAAAAAAAAAAEAAACgMgAAVgcAAKr4//8BAAAAf39/AAEAAABkAAAAAAAAABQAAABAHwAAAAAAACYAAAAAAAAAwOD//wAAAAAmAAAAZAAAABYAAABMAAAAAAAAAAAAAAAEAAAAAAAAAAEAAADu7OEKAAAAACgAAAAoAAAAZAAAAGQAAAAAAAAAzMzMAAAAAABQAAAAUAAAAGQAAABkAAAAAAAAAAcAAAA4AAAAAAAAAAAAAAAAAAAA////AAAAAAAAAAAAAAAAAAAAAAAAAAAAAAAAAAAAAABkAAAAZAAAAAAAAAAjAAAABAAAAGQAAAAXAAAAFAAAAAAAAAAAAAAA/38AAP9/AAAAAAAACQAAAAQAAAAAAAAADAAAABAAAAAAAAAAAAAAAAAAAAAAAAAAHgAAAGgAAAAAAAAAAAAAAAAAAAAAAAAAAAAAABAnAAAQJwAAAAAAAAAAAAAAAAAAAAAAAAAAAAAAAAAAAAAAAAAAAAAUAAAAAAAAAMDA/wAAAAAAZAAAADIAAAAAAAAAZAAAAAAAAAB/f38ACgAAAB8AAABUAAAAT4G9Bf///wEAAAAAAAAAAAAAAAAAAAAAAAAAAAAAAAAAAAAAAAAAAAAAAAJ/f38A7uzhA8zMzADAwP8Af39/AAAAAAAAAAAAAAAAAP///wAAAAAAIQAAABgAAAAUAAAAGSQAAKAcAAAGNwAASCkAABAAAAAmAAAACAAAAP//////////"/>
+                <pr:smNativeData xmlns:pr="smNativeData" xmlns:p14="http://schemas.microsoft.com/office/powerpoint/2010/main" xmlns="" val="SMDATA_15_1RBXYBMAAAAlAAAAEQAAAC0AAAAAkAAAAEgAAACQAAAASAAAAAAAAAAAAAAAAAAAAAEAAABQAAAAAAAAAAAA4D8AAAAAAADgPwAAAAAAAOA/AAAAAAAA4D8AAAAAAADgPwAAAAAAAOA/AAAAAAAA4D8AAAAAAADgPwAAAAAAAOA/AAAAAAAA4D8CAAAAjAAAAAAAAAAAAAAAT4G9DP///wgAAAAAAAAAAAAAAAAAAAAAAAAAAAAAAAAAAAAAZAAAAAEAAABAAAAAAAAAAAAAAAAAAAAAAAAAAAAAAAAAAAAAAAAAAAAAAAAAAAAAAAAAAAAAAAAAAAAAAAAAAAAAAAAAAAAAAAAAAAAAAAAAAAAAAAAAAAAAAAAAAAAAFAAAADwAAAAAAAAAAAAAAAAAAAkUAAAAAQAAABQAAAAUAAAAFAAAAAEAAAAAAAAAZAAAAGQAAAAAAAAAZAAAAGQAAAAVAAAAYAAAAAAAAAAAAAAADwAAACADAAAAAAAAAAAAAAEAAACgMgAAVgcAAKr4//8BAAAAf39/AAEAAABkAAAAAAAAABQAAABAHwAAAAAAACYAAAAAAAAAwOD//wAAAAAmAAAAZAAAABYAAABMAAAAAAAAAAAAAAAEAAAAAAAAAAEAAADu7OEKAAAAACgAAAAoAAAAZAAAAGQAAAAAAAAAzMzMAAAAAABQAAAAUAAAAGQAAABkAAAAAAAAAAcAAAA4AAAAAAAAAAAAAAAAAAAA////AAAAAAAAAAAAAAAAAAAAAAAAAAAAAAAAAAAAAABkAAAAZAAAAAAAAAAjAAAABAAAAGQAAAAXAAAAFAAAAAAAAAAAAAAA/38AAP9/AAAAAAAACQAAAAQAAAAAAAAADAAAABAAAAAAAAAAAAAAAAAAAAAAAAAAHgAAAGgAAAAAAAAAAAAAAAAAAAAAAAAAAAAAABAnAAAQJwAAAAAAAAAAAAAAAAAAAAAAAAAAAAAAAAAAAAAAAAAAAAAUAAAAAAAAAMDA/wAAAAAAZAAAADIAAAAAAAAAZAAAAAAAAAB/f38ACgAAAB8AAABUAAAAT4G9Bf///wEAAAAAAAAAAAAAAAAAAAAAAAAAAAAAAAAAAAAAAAAAAAAAAAJ/f38A7uzhA8zMzADAwP8Af39/AAAAAAAAAAAAAAAAAP///wAAAAAAIQAAABgAAAAUAAAAGSQAAKAcAAAGNwAASCkAABAAAAAmAAAACAAAAP//////////"/>
               </a:ext>
             </a:extLst>
           </p:cNvPicPr>
@@ -7983,7 +7997,7 @@
             <a:spLocks noGrp="1" noChangeArrowheads="1"/>
             <a:extLst>
               <a:ext uri="smNativeData">
-                <pr:smNativeData xmlns="" xmlns:p14="http://schemas.microsoft.com/office/powerpoint/2010/main" xmlns:pr="smNativeData" val="SMDATA_13_1RBXYBMAAAAlAAAAZAAAAA0AAAAAkAAAAEgAAACQAAAASAAAAAAAAAABAAAAAAAAAAEAAABQAAAAAAAAAAAA4D8AAAAAAADgPwAAAAAAAOA/AAAAAAAA4D8AAAAAAADgPwAAAAAAAOA/AAAAAAAA4D8AAAAAAADgPwAAAAAAAOA/AAAAAAAA4D8CAAAAjAAAAAAAAAAAAAAAT4G9DP///wgAAAAAAAAAAAAAAAAAAAAAAAAAAAAAAAAAAAAAZAAAAAEAAABAAAAAAAAAAAAAAAAAAAAAAAAAAAAAAAAAAAAAAAAAAAAAAAAAAAAAAAAAAAAAAAAAAAAAAAAAAAAAAAAAAAAAAAAAAAAAAAAAAAAAAAAAAAAAAAAAAAAAFAAAADwAAAAAAAAAAAAAAAAAAAkUAAAAAQAAABQAAAAUAAAAFAAAAAEAAAAAAAAAZAAAAGQAAAAAAAAAZAAAAGQAAAAVAAAAYAAAAAAAAAAAAAAADwAAACADAAAAAAAAAAAAAAEAAACgMgAAVgcAAKr4//8BAAAAf39/AAEAAABkAAAAAAAAABQAAABAHwAAAAAAACYAAAAAAAAAwOD//wAAAAAmAAAAZAAAABYAAABMAAAAAAAAAAAAAAAEAAAAAAAAAAEAAADu7OEKAAAAACgAAAAoAAAAZAAAAGQAAAAAAAAAzMzMAAAAAABQAAAAUAAAAGQAAABkAAAAAAAAABcAAAAUAAAAAAAAAAAAAAD/fwAA/38AAAAAAAAJAAAABAAAAAAAAAAMAAAAEAAAAAAAAAAAAAAAAAAAAAAAAAAeAAAAaAAAAAAAAAAAAAAAAAAAAAAAAAAAAAAAECcAABAnAAAAAAAAAAAAAAAAAAAAAAAAAAAAAAAAAAAAAAAAAAAAABQAAAAAAAAAwMD/AAAAAABkAAAAMgAAAAAAAABkAAAAAAAAAH9/fwAKAAAAHwAAAFQAAABPgb0F////AQAAAAAAAAAAAAAAAAAAAAAAAAAAAAAAAAAAAAAAAAAAAAAAAn9/fwDu7OEDzMzMAMDA/wB/f38AAAAAAAAAAAAAAAAAAAAAAAAAAAAhAAAAGAAAABQAAADQAgAAsQEAAHA1AAC5CAAAEAAAACYAAAAIAAAAAAAAAAAAAAA="/>
+                <pr:smNativeData xmlns:pr="smNativeData" xmlns:p14="http://schemas.microsoft.com/office/powerpoint/2010/main" xmlns="" val="SMDATA_13_1RBXYBMAAAAlAAAAZAAAAA0AAAAAkAAAAEgAAACQAAAASAAAAAAAAAABAAAAAAAAAAEAAABQAAAAAAAAAAAA4D8AAAAAAADgPwAAAAAAAOA/AAAAAAAA4D8AAAAAAADgPwAAAAAAAOA/AAAAAAAA4D8AAAAAAADgPwAAAAAAAOA/AAAAAAAA4D8CAAAAjAAAAAAAAAAAAAAAT4G9DP///wgAAAAAAAAAAAAAAAAAAAAAAAAAAAAAAAAAAAAAZAAAAAEAAABAAAAAAAAAAAAAAAAAAAAAAAAAAAAAAAAAAAAAAAAAAAAAAAAAAAAAAAAAAAAAAAAAAAAAAAAAAAAAAAAAAAAAAAAAAAAAAAAAAAAAAAAAAAAAAAAAAAAAFAAAADwAAAAAAAAAAAAAAAAAAAkUAAAAAQAAABQAAAAUAAAAFAAAAAEAAAAAAAAAZAAAAGQAAAAAAAAAZAAAAGQAAAAVAAAAYAAAAAAAAAAAAAAADwAAACADAAAAAAAAAAAAAAEAAACgMgAAVgcAAKr4//8BAAAAf39/AAEAAABkAAAAAAAAABQAAABAHwAAAAAAACYAAAAAAAAAwOD//wAAAAAmAAAAZAAAABYAAABMAAAAAAAAAAAAAAAEAAAAAAAAAAEAAADu7OEKAAAAACgAAAAoAAAAZAAAAGQAAAAAAAAAzMzMAAAAAABQAAAAUAAAAGQAAABkAAAAAAAAABcAAAAUAAAAAAAAAAAAAAD/fwAA/38AAAAAAAAJAAAABAAAAAAAAAAMAAAAEAAAAAAAAAAAAAAAAAAAAAAAAAAeAAAAaAAAAAAAAAAAAAAAAAAAAAAAAAAAAAAAECcAABAnAAAAAAAAAAAAAAAAAAAAAAAAAAAAAAAAAAAAAAAAAAAAABQAAAAAAAAAwMD/AAAAAABkAAAAMgAAAAAAAABkAAAAAAAAAH9/fwAKAAAAHwAAAFQAAABPgb0F////AQAAAAAAAAAAAAAAAAAAAAAAAAAAAAAAAAAAAAAAAAAAAAAAAn9/fwDu7OEDzMzMAMDA/wB/f38AAAAAAAAAAAAAAAAAAAAAAAAAAAAhAAAAGAAAABQAAADQAgAAsQEAAHA1AAC5CAAAEAAAACYAAAAIAAAAAAAAAAAAAAA="/>
               </a:ext>
             </a:extLst>
           </p:cNvSpPr>
@@ -8012,7 +8026,7 @@
             <a:spLocks noGrp="1" noChangeArrowheads="1"/>
             <a:extLst>
               <a:ext uri="smNativeData">
-                <pr:smNativeData xmlns="" xmlns:p14="http://schemas.microsoft.com/office/powerpoint/2010/main" xmlns:pr="smNativeData" val="SMDATA_13_1RBXYBMAAAAlAAAAZAAAAA0AAAAAkAAAAEgAAACQAAAASAAAAAAAAAAAAAAAAAAAAAEAAABQAAAAAAAAAAAA4D8AAAAAAADgPwAAAAAAAOA/AAAAAAAA4D8AAAAAAADgPwAAAAAAAOA/AAAAAAAA4D8AAAAAAADgPwAAAAAAAOA/AAAAAAAA4D8CAAAAjAAAAAAAAAAAAAAAT4G9DP///wgAAAAAAAAAAAAAAAAAAAAAAAAAAAAAAAAAAAAAZAAAAAEAAABAAAAAAAAAAAAAAAAAAAAAAAAAAAAAAAAAAAAAAAAAAAAAAAAAAAAAAAAAAAAAAAAAAAAAAAAAAAAAAAAAAAAAAAAAAAAAAAAAAAAAAAAAAAAAAAAAAAAAFAAAADwAAAAAAAAAAAAAAAAAAAkUAAAAAQAAABQAAAAUAAAAFAAAAAEAAAAAAAAAZAAAAGQAAAAAAAAAZAAAAGQAAAAVAAAAYAAAAAAAAAAAAAAADwAAACADAAAAAAAAAAAAAAEAAACgMgAAVgcAAKr4//8BAAAAf39/AAEAAABkAAAAAAAAABQAAABAHwAAAAAAACYAAAAAAAAAwOD//wAAAAAmAAAAZAAAABYAAABMAAAAAAAAAAAAAAAEAAAAAAAAAAEAAADu7OEKAAAAACgAAAAoAAAAZAAAAGQAAAAAAAAAzMzMAAAAAABQAAAAUAAAAGQAAABkAAAAAAAAABcAAAAUAAAAAAAAAAAAAAD/fwAA/38AAAAAAAAJAAAABAAAAAAAAAAMAAAAEAAAAAAAAAAAAAAAAAAAAAAAAAAeAAAAaAAAAAAAAAAAAAAAAAAAAAAAAAAAAAAAECcAABAnAAAAAAAAAAAAAAAAAAAAAAAAAAAAAAAAAAAAAAAAAAAAABQAAAAAAAAAwMD/AAAAAABkAAAAMgAAAAAAAABkAAAAAAAAAH9/fwAKAAAAHwAAAFQAAABPgb0F////AQAAAAAAAAAAAAAAAAAAAAAAAAAAAAAAAAAAAAAAAAAAAAAAAn9/fwDu7OEDzMzMAMDA/wB/f38AAAAAAAAAAAAAAAAAAAAAAAAAAAAhAAAAGAAAABQAAADQAgAA2AkAAHA1AACwJQAAAAAAACYAAAAIAAAAASAAAAAAAAA="/>
+                <pr:smNativeData xmlns:pr="smNativeData" xmlns:p14="http://schemas.microsoft.com/office/powerpoint/2010/main" xmlns="" val="SMDATA_13_1RBXYBMAAAAlAAAAZAAAAA0AAAAAkAAAAEgAAACQAAAASAAAAAAAAAAAAAAAAAAAAAEAAABQAAAAAAAAAAAA4D8AAAAAAADgPwAAAAAAAOA/AAAAAAAA4D8AAAAAAADgPwAAAAAAAOA/AAAAAAAA4D8AAAAAAADgPwAAAAAAAOA/AAAAAAAA4D8CAAAAjAAAAAAAAAAAAAAAT4G9DP///wgAAAAAAAAAAAAAAAAAAAAAAAAAAAAAAAAAAAAAZAAAAAEAAABAAAAAAAAAAAAAAAAAAAAAAAAAAAAAAAAAAAAAAAAAAAAAAAAAAAAAAAAAAAAAAAAAAAAAAAAAAAAAAAAAAAAAAAAAAAAAAAAAAAAAAAAAAAAAAAAAAAAAFAAAADwAAAAAAAAAAAAAAAAAAAkUAAAAAQAAABQAAAAUAAAAFAAAAAEAAAAAAAAAZAAAAGQAAAAAAAAAZAAAAGQAAAAVAAAAYAAAAAAAAAAAAAAADwAAACADAAAAAAAAAAAAAAEAAACgMgAAVgcAAKr4//8BAAAAf39/AAEAAABkAAAAAAAAABQAAABAHwAAAAAAACYAAAAAAAAAwOD//wAAAAAmAAAAZAAAABYAAABMAAAAAAAAAAAAAAAEAAAAAAAAAAEAAADu7OEKAAAAACgAAAAoAAAAZAAAAGQAAAAAAAAAzMzMAAAAAABQAAAAUAAAAGQAAABkAAAAAAAAABcAAAAUAAAAAAAAAAAAAAD/fwAA/38AAAAAAAAJAAAABAAAAAAAAAAMAAAAEAAAAAAAAAAAAAAAAAAAAAAAAAAeAAAAaAAAAAAAAAAAAAAAAAAAAAAAAAAAAAAAECcAABAnAAAAAAAAAAAAAAAAAAAAAAAAAAAAAAAAAAAAAAAAAAAAABQAAAAAAAAAwMD/AAAAAABkAAAAMgAAAAAAAABkAAAAAAAAAH9/fwAKAAAAHwAAAFQAAABPgb0F////AQAAAAAAAAAAAAAAAAAAAAAAAAAAAAAAAAAAAAAAAAAAAAAAAn9/fwDu7OEDzMzMAMDA/wB/f38AAAAAAAAAAAAAAAAAAAAAAAAAAAAhAAAAGAAAABQAAADQAgAA2AkAAHA1AACwJQAAAAAAACYAAAAIAAAAASAAAAAAAAA="/>
               </a:ext>
             </a:extLst>
           </p:cNvSpPr>
@@ -17195,20 +17209,29 @@
           <a:lstStyle/>
           <a:p>
             <a:r>
-              <a:rPr lang="en-US" altLang="ko-KR" sz="2000" dirty="0" smtClean="0"/>
-              <a:t>if … else … </a:t>
-            </a:r>
-            <a:r>
-              <a:rPr lang="en-US" altLang="ko-KR" sz="2000" dirty="0" err="1" smtClean="0"/>
-              <a:t>elif</a:t>
+              <a:rPr lang="en-US" altLang="ko-KR" sz="2000" smtClean="0"/>
+              <a:t>if </a:t>
+            </a:r>
+            <a:r>
+              <a:rPr lang="en-US" altLang="ko-KR" sz="2000" smtClean="0"/>
+              <a:t>… elif … </a:t>
+            </a:r>
+            <a:r>
+              <a:rPr lang="en-US" altLang="ko-KR" sz="2000" smtClean="0"/>
+              <a:t>else</a:t>
             </a:r>
             <a:endParaRPr lang="en-US" altLang="ko-KR" sz="2000" dirty="0" smtClean="0"/>
           </a:p>
           <a:p>
             <a:r>
-              <a:rPr lang="en-US" altLang="ko-KR" sz="2000" dirty="0" smtClean="0"/>
-              <a:t>&lt; &gt; &lt;= &gt;= == !=</a:t>
-            </a:r>
+              <a:rPr lang="en-US" altLang="ko-KR" sz="2000" smtClean="0"/>
+              <a:t>&lt; </a:t>
+            </a:r>
+            <a:r>
+              <a:rPr lang="en-US" altLang="ko-KR" sz="2000" smtClean="0"/>
+              <a:t>  &gt;   &lt;=   &gt;=   ==   !=</a:t>
+            </a:r>
+            <a:endParaRPr lang="en-US" altLang="ko-KR" sz="2000" dirty="0" smtClean="0"/>
           </a:p>
           <a:p>
             <a:r>
@@ -20945,13 +20968,7 @@
               <a:rPr lang="en-US" altLang="ko-KR" sz="1200">
                 <a:hlinkClick r:id="rId2"/>
               </a:rPr>
-              <a:t>https</a:t>
-            </a:r>
-            <a:r>
-              <a:rPr lang="en-US" altLang="ko-KR" sz="1200">
-                <a:hlinkClick r:id="rId2"/>
-              </a:rPr>
-              <a:t>://</a:t>
+              <a:t>https://</a:t>
             </a:r>
             <a:r>
               <a:rPr lang="en-US" altLang="ko-KR" sz="1200" smtClean="0">
